--- a/docs/diagrams/LogicComponentSequenceDiagram.pptx
+++ b/docs/diagrams/LogicComponentSequenceDiagram.pptx
@@ -213,7 +213,7 @@
           <a:p>
             <a:fld id="{F5CC4B3F-88C1-4FFA-B1B6-F41C21DC6924}" type="datetimeFigureOut">
               <a:rPr lang="en-US" smtClean="0"/>
-              <a:t>11/10/17</a:t>
+              <a:t>11/13/17</a:t>
             </a:fld>
             <a:endParaRPr lang="en-US"/>
           </a:p>
@@ -659,7 +659,7 @@
           <a:p>
             <a:fld id="{78C97017-6FC3-485B-9764-EAC9E56C1D49}" type="datetimeFigureOut">
               <a:rPr lang="en-US" smtClean="0"/>
-              <a:t>11/10/17</a:t>
+              <a:t>11/13/17</a:t>
             </a:fld>
             <a:endParaRPr lang="en-US"/>
           </a:p>
@@ -827,7 +827,7 @@
           <a:p>
             <a:fld id="{78C97017-6FC3-485B-9764-EAC9E56C1D49}" type="datetimeFigureOut">
               <a:rPr lang="en-US" smtClean="0"/>
-              <a:t>11/10/17</a:t>
+              <a:t>11/13/17</a:t>
             </a:fld>
             <a:endParaRPr lang="en-US"/>
           </a:p>
@@ -1005,7 +1005,7 @@
           <a:p>
             <a:fld id="{78C97017-6FC3-485B-9764-EAC9E56C1D49}" type="datetimeFigureOut">
               <a:rPr lang="en-US" smtClean="0"/>
-              <a:t>11/10/17</a:t>
+              <a:t>11/13/17</a:t>
             </a:fld>
             <a:endParaRPr lang="en-US"/>
           </a:p>
@@ -1173,7 +1173,7 @@
           <a:p>
             <a:fld id="{78C97017-6FC3-485B-9764-EAC9E56C1D49}" type="datetimeFigureOut">
               <a:rPr lang="en-US" smtClean="0"/>
-              <a:t>11/10/17</a:t>
+              <a:t>11/13/17</a:t>
             </a:fld>
             <a:endParaRPr lang="en-US"/>
           </a:p>
@@ -1418,7 +1418,7 @@
           <a:p>
             <a:fld id="{78C97017-6FC3-485B-9764-EAC9E56C1D49}" type="datetimeFigureOut">
               <a:rPr lang="en-US" smtClean="0"/>
-              <a:t>11/10/17</a:t>
+              <a:t>11/13/17</a:t>
             </a:fld>
             <a:endParaRPr lang="en-US"/>
           </a:p>
@@ -1703,7 +1703,7 @@
           <a:p>
             <a:fld id="{78C97017-6FC3-485B-9764-EAC9E56C1D49}" type="datetimeFigureOut">
               <a:rPr lang="en-US" smtClean="0"/>
-              <a:t>11/10/17</a:t>
+              <a:t>11/13/17</a:t>
             </a:fld>
             <a:endParaRPr lang="en-US"/>
           </a:p>
@@ -2122,7 +2122,7 @@
           <a:p>
             <a:fld id="{78C97017-6FC3-485B-9764-EAC9E56C1D49}" type="datetimeFigureOut">
               <a:rPr lang="en-US" smtClean="0"/>
-              <a:t>11/10/17</a:t>
+              <a:t>11/13/17</a:t>
             </a:fld>
             <a:endParaRPr lang="en-US"/>
           </a:p>
@@ -2239,7 +2239,7 @@
           <a:p>
             <a:fld id="{78C97017-6FC3-485B-9764-EAC9E56C1D49}" type="datetimeFigureOut">
               <a:rPr lang="en-US" smtClean="0"/>
-              <a:t>11/10/17</a:t>
+              <a:t>11/13/17</a:t>
             </a:fld>
             <a:endParaRPr lang="en-US"/>
           </a:p>
@@ -2334,7 +2334,7 @@
           <a:p>
             <a:fld id="{78C97017-6FC3-485B-9764-EAC9E56C1D49}" type="datetimeFigureOut">
               <a:rPr lang="en-US" smtClean="0"/>
-              <a:t>11/10/17</a:t>
+              <a:t>11/13/17</a:t>
             </a:fld>
             <a:endParaRPr lang="en-US"/>
           </a:p>
@@ -2609,7 +2609,7 @@
           <a:p>
             <a:fld id="{78C97017-6FC3-485B-9764-EAC9E56C1D49}" type="datetimeFigureOut">
               <a:rPr lang="en-US" smtClean="0"/>
-              <a:t>11/10/17</a:t>
+              <a:t>11/13/17</a:t>
             </a:fld>
             <a:endParaRPr lang="en-US"/>
           </a:p>
@@ -2861,7 +2861,7 @@
           <a:p>
             <a:fld id="{78C97017-6FC3-485B-9764-EAC9E56C1D49}" type="datetimeFigureOut">
               <a:rPr lang="en-US" smtClean="0"/>
-              <a:t>11/10/17</a:t>
+              <a:t>11/13/17</a:t>
             </a:fld>
             <a:endParaRPr lang="en-US"/>
           </a:p>
@@ -3072,7 +3072,7 @@
           <a:p>
             <a:fld id="{78C97017-6FC3-485B-9764-EAC9E56C1D49}" type="datetimeFigureOut">
               <a:rPr lang="en-US" smtClean="0"/>
-              <a:t>11/10/17</a:t>
+              <a:t>11/13/17</a:t>
             </a:fld>
             <a:endParaRPr lang="en-US"/>
           </a:p>
@@ -5915,15 +5915,7 @@
                   <a:schemeClr val="bg1"/>
                 </a:solidFill>
               </a:rPr>
-              <a:t>am</a:t>
-            </a:r>
-            <a:r>
-              <a:rPr lang="en-US" sz="1100" dirty="0" err="1" smtClean="0">
-                <a:solidFill>
-                  <a:schemeClr val="bg1"/>
-                </a:solidFill>
-              </a:rPr>
-              <a:t>:AddMeeting</a:t>
+              <a:t>am:AddMeeting</a:t>
             </a:r>
             <a:r>
               <a:rPr lang="en-US" sz="1100" dirty="0">
@@ -6183,15 +6175,7 @@
                   <a:srgbClr val="0070C0"/>
                 </a:solidFill>
               </a:rPr>
-              <a:t>”</a:t>
-            </a:r>
-            <a:r>
-              <a:rPr lang="en-US" sz="1100" dirty="0" smtClean="0">
-                <a:solidFill>
-                  <a:srgbClr val="0070C0"/>
-                </a:solidFill>
-              </a:rPr>
-              <a:t>)</a:t>
+              <a:t>”)</a:t>
             </a:r>
             <a:endParaRPr lang="en-US" sz="1100" dirty="0">
               <a:solidFill>
@@ -6785,20 +6769,12 @@
           </a:lstStyle>
           <a:p>
             <a:r>
-              <a:rPr lang="en-US" dirty="0" err="1" smtClean="0">
+              <a:rPr lang="en-US" smtClean="0">
                 <a:solidFill>
                   <a:srgbClr val="7030A0"/>
                 </a:solidFill>
               </a:rPr>
               <a:t>addMeeting</a:t>
-            </a:r>
-            <a:r>
-              <a:rPr lang="en-US" dirty="0" smtClean="0">
-                <a:solidFill>
-                  <a:srgbClr val="7030A0"/>
-                </a:solidFill>
-              </a:rPr>
-              <a:t>()</a:t>
             </a:r>
             <a:endParaRPr lang="en-US" dirty="0">
               <a:solidFill>
@@ -7235,15 +7211,7 @@
                   <a:schemeClr val="bg1"/>
                 </a:solidFill>
               </a:rPr>
-              <a:t>AddMeeting</a:t>
-            </a:r>
-            <a:r>
-              <a:rPr lang="en-US" sz="1200" dirty="0" err="1" smtClean="0">
-                <a:solidFill>
-                  <a:schemeClr val="bg1"/>
-                </a:solidFill>
-              </a:rPr>
-              <a:t>Command</a:t>
+              <a:t>AddMeetingCommand</a:t>
             </a:r>
             <a:endParaRPr lang="en-US" sz="1200" dirty="0">
               <a:solidFill>
